--- a/DocumentsTP/Documentation_Capsuleuse.pptx
+++ b/DocumentsTP/Documentation_Capsuleuse.pptx
@@ -221,7 +221,7 @@
             <a:fld id="{31555DB1-8736-42A3-B48D-2B08FB93332A}" type="datetimeFigureOut">
               <a:rPr lang="fr-FR" smtClean="0"/>
               <a:pPr/>
-              <a:t>07/01/2014</a:t>
+              <a:t>26/01/2014</a:t>
             </a:fld>
             <a:endParaRPr lang="fr-FR"/>
           </a:p>
@@ -380,7 +380,7 @@
             <a:fld id="{0BDB199F-A56C-4049-BA04-1447030960FF}" type="datetimeFigureOut">
               <a:rPr lang="fr-FR"/>
               <a:pPr/>
-              <a:t>07/01/2014</a:t>
+              <a:t>26/01/2014</a:t>
             </a:fld>
             <a:endParaRPr lang="fr-FR"/>
           </a:p>
@@ -9520,24 +9520,7 @@
                 <a:ea typeface="+mj-ea"/>
                 <a:cs typeface="+mj-cs"/>
               </a:rPr>
-              <a:t>Documentation Technique – </a:t>
-            </a:r>
-            <a:r>
-              <a:rPr kumimoji="0" lang="fr-FR" sz="1600" b="0" i="0" u="none" strike="noStrike" kern="0" cap="small" spc="0" normalizeH="0" baseline="0" noProof="0" dirty="0" smtClean="0">
-                <a:ln>
-                  <a:noFill/>
-                </a:ln>
-                <a:solidFill>
-                  <a:schemeClr val="bg1"/>
-                </a:solidFill>
-                <a:effectLst/>
-                <a:uLnTx/>
-                <a:uFillTx/>
-                <a:latin typeface="+mj-lt"/>
-                <a:ea typeface="+mj-ea"/>
-                <a:cs typeface="+mj-cs"/>
-              </a:rPr>
-              <a:t>Capsuleuse de bocaux</a:t>
+              <a:t>Documentation Technique – Capsuleuse de bocaux</a:t>
             </a:r>
             <a:endParaRPr kumimoji="0" lang="fr-FR" sz="1600" b="0" i="0" u="none" strike="noStrike" kern="0" cap="small" spc="0" normalizeH="0" baseline="0" noProof="0" dirty="0">
               <a:ln>
@@ -10043,17 +10026,22 @@
         </p:blipFill>
         <p:spPr bwMode="auto">
           <a:xfrm>
-            <a:off x="1043608" y="1124744"/>
+            <a:off x="395536" y="548680"/>
             <a:ext cx="3295650" cy="2676525"/>
           </a:xfrm>
           <a:prstGeom prst="rect">
             <a:avLst/>
           </a:prstGeom>
-          <a:noFill/>
           <a:ln>
             <a:noFill/>
           </a:ln>
-          <a:effectLst/>
+          <a:effectLst>
+            <a:outerShdw blurRad="292100" dist="139700" dir="2700000" algn="tl" rotWithShape="0">
+              <a:srgbClr val="333333">
+                <a:alpha val="65000"/>
+              </a:srgbClr>
+            </a:outerShdw>
+          </a:effectLst>
           <a:extLst>
             <a:ext uri="{909E8E84-426E-40DD-AFC4-6F175D3DCCD1}">
               <a14:hiddenFill xmlns:a14="http://schemas.microsoft.com/office/drawing/2010/main">
@@ -10104,7 +10092,7 @@
         </p:blipFill>
         <p:spPr>
           <a:xfrm>
-            <a:off x="525240" y="4953228"/>
+            <a:off x="4211960" y="4953228"/>
             <a:ext cx="1728192" cy="1872104"/>
           </a:xfrm>
           <a:prstGeom prst="rect">
@@ -10120,6 +10108,75 @@
               </a:srgbClr>
             </a:outerShdw>
           </a:effectLst>
+        </p:spPr>
+      </p:pic>
+      <p:pic>
+        <p:nvPicPr>
+          <p:cNvPr id="4" name="Picture 2"/>
+          <p:cNvPicPr>
+            <a:picLocks noChangeAspect="1" noChangeArrowheads="1"/>
+          </p:cNvPicPr>
+          <p:nvPr/>
+        </p:nvPicPr>
+        <p:blipFill>
+          <a:blip r:embed="rId5" cstate="print">
+            <a:extLst>
+              <a:ext uri="{28A0092B-C50C-407E-A947-70E740481C1C}">
+                <a14:useLocalDpi xmlns:a14="http://schemas.microsoft.com/office/drawing/2010/main" val="0"/>
+              </a:ext>
+            </a:extLst>
+          </a:blip>
+          <a:srcRect/>
+          <a:stretch>
+            <a:fillRect/>
+          </a:stretch>
+        </p:blipFill>
+        <p:spPr bwMode="auto">
+          <a:xfrm>
+            <a:off x="395536" y="5085183"/>
+            <a:ext cx="2258965" cy="1652145"/>
+          </a:xfrm>
+          <a:prstGeom prst="rect">
+            <a:avLst/>
+          </a:prstGeom>
+          <a:ln>
+            <a:noFill/>
+          </a:ln>
+          <a:effectLst>
+            <a:outerShdw blurRad="292100" dist="139700" dir="2700000" algn="tl" rotWithShape="0">
+              <a:srgbClr val="333333">
+                <a:alpha val="65000"/>
+              </a:srgbClr>
+            </a:outerShdw>
+          </a:effectLst>
+          <a:extLst>
+            <a:ext uri="{909E8E84-426E-40DD-AFC4-6F175D3DCCD1}">
+              <a14:hiddenFill xmlns:a14="http://schemas.microsoft.com/office/drawing/2010/main">
+                <a:solidFill>
+                  <a:schemeClr val="accent1"/>
+                </a:solidFill>
+              </a14:hiddenFill>
+            </a:ext>
+            <a:ext uri="{91240B29-F687-4F45-9708-019B960494DF}">
+              <a14:hiddenLine xmlns:a14="http://schemas.microsoft.com/office/drawing/2010/main" w="9525">
+                <a:solidFill>
+                  <a:schemeClr val="tx1"/>
+                </a:solidFill>
+                <a:miter lim="800000"/>
+                <a:headEnd/>
+                <a:tailEnd/>
+              </a14:hiddenLine>
+            </a:ext>
+            <a:ext uri="{AF507438-7753-43E0-B8FC-AC1667EBCBE1}">
+              <a14:hiddenEffects xmlns:a14="http://schemas.microsoft.com/office/drawing/2010/main">
+                <a:effectLst>
+                  <a:outerShdw dist="35921" dir="2700000" algn="ctr" rotWithShape="0">
+                    <a:schemeClr val="bg2"/>
+                  </a:outerShdw>
+                </a:effectLst>
+              </a14:hiddenEffects>
+            </a:ext>
+          </a:extLst>
         </p:spPr>
       </p:pic>
     </p:spTree>
@@ -10366,11 +10423,7 @@
           <a:p>
             <a:r>
               <a:rPr lang="fr-FR" dirty="0" smtClean="0"/>
-              <a:t>Mise en œuvre de la </a:t>
-            </a:r>
-            <a:r>
-              <a:rPr lang="fr-FR" dirty="0" smtClean="0"/>
-              <a:t>capsuleuse</a:t>
+              <a:t>Mise en œuvre de la capsuleuse</a:t>
             </a:r>
             <a:endParaRPr lang="fr-FR" dirty="0"/>
           </a:p>
@@ -22166,13 +22219,7 @@
               <a:rPr lang="fr-FR" dirty="0" smtClean="0">
                 <a:hlinkClick r:id="rId3" action="ppaction://hlinksldjump"/>
               </a:rPr>
-              <a:t>Présentation générale </a:t>
-            </a:r>
-            <a:r>
-              <a:rPr lang="fr-FR" dirty="0" smtClean="0">
-                <a:hlinkClick r:id="rId3" action="ppaction://hlinksldjump"/>
-              </a:rPr>
-              <a:t>de la capsuleuse de bocaux</a:t>
+              <a:t>Présentation générale de la capsuleuse de bocaux</a:t>
             </a:r>
             <a:endParaRPr lang="fr-FR" dirty="0">
               <a:hlinkClick r:id="rId3" action="ppaction://hlinksldjump"/>
@@ -22209,9 +22256,6 @@
               </a:rPr>
               <a:t>capsuleuse de bocaux</a:t>
             </a:r>
-            <a:endParaRPr lang="fr-FR" dirty="0">
-              <a:hlinkClick r:id="rId3" action="ppaction://hlinksldjump"/>
-            </a:endParaRPr>
           </a:p>
         </p:txBody>
       </p:sp>
@@ -22244,9 +22288,6 @@
               </a:rPr>
               <a:t>capsuleuse de bocaux</a:t>
             </a:r>
-            <a:endParaRPr lang="fr-FR" dirty="0">
-              <a:hlinkClick r:id="rId3" action="ppaction://hlinksldjump"/>
-            </a:endParaRPr>
           </a:p>
         </p:txBody>
       </p:sp>
@@ -24047,7 +24088,7 @@
           <a:graphicData uri="http://schemas.openxmlformats.org/presentationml/2006/ole">
             <mc:AlternateContent xmlns:mc="http://schemas.openxmlformats.org/markup-compatibility/2006">
               <mc:Choice xmlns:v="urn:schemas-microsoft-com:vml" Requires="v">
-                <p:oleObj spid="_x0000_s2063" r:id="rId4" imgW="3376613" imgH="812800" progId="MSDraw">
+                <p:oleObj spid="_x0000_s2067" r:id="rId4" imgW="3376613" imgH="812800" progId="MSDraw">
                   <p:embed/>
                 </p:oleObj>
               </mc:Choice>
@@ -24389,7 +24430,7 @@
           <a:graphicData uri="http://schemas.openxmlformats.org/presentationml/2006/ole">
             <mc:AlternateContent xmlns:mc="http://schemas.openxmlformats.org/markup-compatibility/2006">
               <mc:Choice xmlns:v="urn:schemas-microsoft-com:vml" Requires="v">
-                <p:oleObj spid="_x0000_s2064" r:id="rId7" imgW="7726363" imgH="1116013" progId="MSDraw">
+                <p:oleObj spid="_x0000_s2068" r:id="rId7" imgW="7726363" imgH="1116013" progId="MSDraw">
                   <p:embed/>
                 </p:oleObj>
               </mc:Choice>
@@ -24838,7 +24879,7 @@
           <a:graphicData uri="http://schemas.openxmlformats.org/presentationml/2006/ole">
             <mc:AlternateContent xmlns:mc="http://schemas.openxmlformats.org/markup-compatibility/2006">
               <mc:Choice xmlns:v="urn:schemas-microsoft-com:vml" Requires="v">
-                <p:oleObj spid="_x0000_s3080" r:id="rId4" imgW="7624763" imgH="1701800" progId="MSDraw">
+                <p:oleObj spid="_x0000_s3082" r:id="rId4" imgW="7624763" imgH="1701800" progId="MSDraw">
                   <p:embed/>
                 </p:oleObj>
               </mc:Choice>
@@ -30382,11 +30423,7 @@
           <a:p>
             <a:r>
               <a:rPr lang="fr-FR" dirty="0" smtClean="0"/>
-              <a:t>Présentation générale de la </a:t>
-            </a:r>
-            <a:r>
-              <a:rPr lang="fr-FR" dirty="0" smtClean="0"/>
-              <a:t>Capsuleuse de bocaux</a:t>
+              <a:t>Présentation générale de la Capsuleuse de bocaux</a:t>
             </a:r>
             <a:endParaRPr lang="fr-FR" dirty="0"/>
           </a:p>
@@ -31492,7 +31529,6 @@
               <a:rPr lang="fr-FR" dirty="0"/>
               <a:t>Le système de laboratoire proposé s'insère dans une chaîne de conditionnement de produits alimentaires, entre l'unité de remplissage des bocaux et le poste d'étiquetage. Sa fonction principale est la «fermeture étanche de bocaux préalablement remplis de produits alimentaires»</a:t>
             </a:r>
-            <a:endParaRPr lang="fr-FR" dirty="0"/>
           </a:p>
         </p:txBody>
       </p:sp>
@@ -31856,11 +31892,7 @@
           <a:p>
             <a:r>
               <a:rPr lang="fr-FR" dirty="0" smtClean="0"/>
-              <a:t>Présentation générale de la </a:t>
-            </a:r>
-            <a:r>
-              <a:rPr lang="fr-FR" dirty="0" smtClean="0"/>
-              <a:t>capsuleuse</a:t>
+              <a:t>Présentation générale de la capsuleuse</a:t>
             </a:r>
             <a:endParaRPr lang="fr-FR" dirty="0"/>
           </a:p>
@@ -32593,7 +32625,7 @@
           <a:graphicData uri="http://schemas.openxmlformats.org/presentationml/2006/ole">
             <mc:AlternateContent xmlns:mc="http://schemas.openxmlformats.org/markup-compatibility/2006">
               <mc:Choice xmlns:v="urn:schemas-microsoft-com:vml" Requires="v">
-                <p:oleObj spid="_x0000_s1032" r:id="rId4" imgW="11789454" imgH="9946990" progId="MSDraw">
+                <p:oleObj spid="_x0000_s1034" r:id="rId4" imgW="11789454" imgH="9946990" progId="MSDraw">
                   <p:embed/>
                 </p:oleObj>
               </mc:Choice>
